--- a/folien/Semester_03_Termin_03_Kapitel03.pptx
+++ b/folien/Semester_03_Termin_03_Kapitel03.pptx
@@ -212,7 +212,7 @@
         <p:nvSpPr>
           <p:cNvPr id="2050" name="Rectangle 1"/>
           <p:cNvSpPr>
-            <a:spLocks noGrp="1" noChangeArrowheads="1"/>
+            <a:spLocks noGrp="1" noRot="1" noChangeAspect="1" noChangeArrowheads="1"/>
           </p:cNvSpPr>
           <p:nvPr>
             <p:ph type="sldImg"/>
@@ -752,7 +752,7 @@
         <p:nvSpPr>
           <p:cNvPr id="4099" name="Rectangle 1"/>
           <p:cNvSpPr>
-            <a:spLocks noChangeArrowheads="1" noTextEdit="1"/>
+            <a:spLocks noGrp="1" noRot="1" noChangeAspect="1" noChangeArrowheads="1" noTextEdit="1"/>
           </p:cNvSpPr>
           <p:nvPr>
             <p:ph type="sldImg"/>
@@ -778,7 +778,7 @@
         <p:nvSpPr>
           <p:cNvPr id="4100" name="Rectangle 2"/>
           <p:cNvSpPr>
-            <a:spLocks noChangeArrowheads="1"/>
+            <a:spLocks noGrp="1" noChangeArrowheads="1"/>
           </p:cNvSpPr>
           <p:nvPr>
             <p:ph type="body" idx="1"/>
@@ -863,7 +863,7 @@
         <p:nvSpPr>
           <p:cNvPr id="22531" name="Rectangle 1"/>
           <p:cNvSpPr>
-            <a:spLocks noChangeArrowheads="1" noTextEdit="1"/>
+            <a:spLocks noGrp="1" noRot="1" noChangeAspect="1" noChangeArrowheads="1" noTextEdit="1"/>
           </p:cNvSpPr>
           <p:nvPr>
             <p:ph type="sldImg"/>
@@ -889,7 +889,7 @@
         <p:nvSpPr>
           <p:cNvPr id="22532" name="Rectangle 2"/>
           <p:cNvSpPr>
-            <a:spLocks noChangeArrowheads="1"/>
+            <a:spLocks noGrp="1" noChangeArrowheads="1"/>
           </p:cNvSpPr>
           <p:nvPr>
             <p:ph type="body" idx="1"/>
@@ -974,7 +974,7 @@
         <p:nvSpPr>
           <p:cNvPr id="24579" name="Rectangle 1"/>
           <p:cNvSpPr>
-            <a:spLocks noChangeArrowheads="1" noTextEdit="1"/>
+            <a:spLocks noGrp="1" noRot="1" noChangeAspect="1" noChangeArrowheads="1" noTextEdit="1"/>
           </p:cNvSpPr>
           <p:nvPr>
             <p:ph type="sldImg"/>
@@ -1000,7 +1000,7 @@
         <p:nvSpPr>
           <p:cNvPr id="24580" name="Rectangle 2"/>
           <p:cNvSpPr>
-            <a:spLocks noChangeArrowheads="1"/>
+            <a:spLocks noGrp="1" noChangeArrowheads="1"/>
           </p:cNvSpPr>
           <p:nvPr>
             <p:ph type="body" idx="1"/>
@@ -1085,7 +1085,7 @@
         <p:nvSpPr>
           <p:cNvPr id="26627" name="Rectangle 1"/>
           <p:cNvSpPr>
-            <a:spLocks noChangeArrowheads="1" noTextEdit="1"/>
+            <a:spLocks noGrp="1" noRot="1" noChangeAspect="1" noChangeArrowheads="1" noTextEdit="1"/>
           </p:cNvSpPr>
           <p:nvPr>
             <p:ph type="sldImg"/>
@@ -1111,7 +1111,7 @@
         <p:nvSpPr>
           <p:cNvPr id="26628" name="Rectangle 2"/>
           <p:cNvSpPr>
-            <a:spLocks noChangeArrowheads="1"/>
+            <a:spLocks noGrp="1" noChangeArrowheads="1"/>
           </p:cNvSpPr>
           <p:nvPr>
             <p:ph type="body" idx="1"/>
@@ -1196,7 +1196,7 @@
         <p:nvSpPr>
           <p:cNvPr id="28675" name="Rectangle 1"/>
           <p:cNvSpPr>
-            <a:spLocks noChangeArrowheads="1" noTextEdit="1"/>
+            <a:spLocks noGrp="1" noRot="1" noChangeAspect="1" noChangeArrowheads="1" noTextEdit="1"/>
           </p:cNvSpPr>
           <p:nvPr>
             <p:ph type="sldImg"/>
@@ -1222,7 +1222,7 @@
         <p:nvSpPr>
           <p:cNvPr id="28676" name="Rectangle 2"/>
           <p:cNvSpPr>
-            <a:spLocks noChangeArrowheads="1"/>
+            <a:spLocks noGrp="1" noChangeArrowheads="1"/>
           </p:cNvSpPr>
           <p:nvPr>
             <p:ph type="body" idx="1"/>
@@ -1307,7 +1307,7 @@
         <p:nvSpPr>
           <p:cNvPr id="30723" name="Rectangle 1"/>
           <p:cNvSpPr>
-            <a:spLocks noChangeArrowheads="1" noTextEdit="1"/>
+            <a:spLocks noGrp="1" noRot="1" noChangeAspect="1" noChangeArrowheads="1" noTextEdit="1"/>
           </p:cNvSpPr>
           <p:nvPr>
             <p:ph type="sldImg"/>
@@ -1333,7 +1333,7 @@
         <p:nvSpPr>
           <p:cNvPr id="30724" name="Rectangle 2"/>
           <p:cNvSpPr>
-            <a:spLocks noChangeArrowheads="1"/>
+            <a:spLocks noGrp="1" noChangeArrowheads="1"/>
           </p:cNvSpPr>
           <p:nvPr>
             <p:ph type="body" idx="1"/>
@@ -1418,7 +1418,7 @@
         <p:nvSpPr>
           <p:cNvPr id="32771" name="Rectangle 1"/>
           <p:cNvSpPr>
-            <a:spLocks noChangeArrowheads="1" noTextEdit="1"/>
+            <a:spLocks noGrp="1" noRot="1" noChangeAspect="1" noChangeArrowheads="1" noTextEdit="1"/>
           </p:cNvSpPr>
           <p:nvPr>
             <p:ph type="sldImg"/>
@@ -1444,7 +1444,7 @@
         <p:nvSpPr>
           <p:cNvPr id="32772" name="Rectangle 2"/>
           <p:cNvSpPr>
-            <a:spLocks noChangeArrowheads="1"/>
+            <a:spLocks noGrp="1" noChangeArrowheads="1"/>
           </p:cNvSpPr>
           <p:nvPr>
             <p:ph type="body" idx="1"/>
@@ -1529,7 +1529,7 @@
         <p:nvSpPr>
           <p:cNvPr id="34819" name="Rectangle 1"/>
           <p:cNvSpPr>
-            <a:spLocks noChangeArrowheads="1" noTextEdit="1"/>
+            <a:spLocks noGrp="1" noRot="1" noChangeAspect="1" noChangeArrowheads="1" noTextEdit="1"/>
           </p:cNvSpPr>
           <p:nvPr>
             <p:ph type="sldImg"/>
@@ -1555,7 +1555,7 @@
         <p:nvSpPr>
           <p:cNvPr id="34820" name="Rectangle 2"/>
           <p:cNvSpPr>
-            <a:spLocks noChangeArrowheads="1"/>
+            <a:spLocks noGrp="1" noChangeArrowheads="1"/>
           </p:cNvSpPr>
           <p:nvPr>
             <p:ph type="body" idx="1"/>
@@ -1640,7 +1640,7 @@
         <p:nvSpPr>
           <p:cNvPr id="36867" name="Rectangle 1"/>
           <p:cNvSpPr>
-            <a:spLocks noChangeArrowheads="1" noTextEdit="1"/>
+            <a:spLocks noGrp="1" noRot="1" noChangeAspect="1" noChangeArrowheads="1" noTextEdit="1"/>
           </p:cNvSpPr>
           <p:nvPr>
             <p:ph type="sldImg"/>
@@ -1666,7 +1666,7 @@
         <p:nvSpPr>
           <p:cNvPr id="36868" name="Rectangle 2"/>
           <p:cNvSpPr>
-            <a:spLocks noChangeArrowheads="1"/>
+            <a:spLocks noGrp="1" noChangeArrowheads="1"/>
           </p:cNvSpPr>
           <p:nvPr>
             <p:ph type="body" idx="1"/>
@@ -1751,7 +1751,7 @@
         <p:nvSpPr>
           <p:cNvPr id="38915" name="Rectangle 1"/>
           <p:cNvSpPr>
-            <a:spLocks noChangeArrowheads="1" noTextEdit="1"/>
+            <a:spLocks noGrp="1" noRot="1" noChangeAspect="1" noChangeArrowheads="1" noTextEdit="1"/>
           </p:cNvSpPr>
           <p:nvPr>
             <p:ph type="sldImg"/>
@@ -1777,7 +1777,7 @@
         <p:nvSpPr>
           <p:cNvPr id="38916" name="Rectangle 2"/>
           <p:cNvSpPr>
-            <a:spLocks noChangeArrowheads="1"/>
+            <a:spLocks noGrp="1" noChangeArrowheads="1"/>
           </p:cNvSpPr>
           <p:nvPr>
             <p:ph type="body" idx="1"/>
@@ -1862,7 +1862,7 @@
         <p:nvSpPr>
           <p:cNvPr id="40963" name="Rectangle 1"/>
           <p:cNvSpPr>
-            <a:spLocks noChangeArrowheads="1" noTextEdit="1"/>
+            <a:spLocks noGrp="1" noRot="1" noChangeAspect="1" noChangeArrowheads="1" noTextEdit="1"/>
           </p:cNvSpPr>
           <p:nvPr>
             <p:ph type="sldImg"/>
@@ -1888,7 +1888,7 @@
         <p:nvSpPr>
           <p:cNvPr id="40964" name="Rectangle 2"/>
           <p:cNvSpPr>
-            <a:spLocks noChangeArrowheads="1"/>
+            <a:spLocks noGrp="1" noChangeArrowheads="1"/>
           </p:cNvSpPr>
           <p:nvPr>
             <p:ph type="body" idx="1"/>
@@ -1973,7 +1973,7 @@
         <p:nvSpPr>
           <p:cNvPr id="6147" name="Rectangle 1"/>
           <p:cNvSpPr>
-            <a:spLocks noChangeArrowheads="1" noTextEdit="1"/>
+            <a:spLocks noGrp="1" noRot="1" noChangeAspect="1" noChangeArrowheads="1" noTextEdit="1"/>
           </p:cNvSpPr>
           <p:nvPr>
             <p:ph type="sldImg"/>
@@ -1999,7 +1999,7 @@
         <p:nvSpPr>
           <p:cNvPr id="6148" name="Rectangle 2"/>
           <p:cNvSpPr>
-            <a:spLocks noChangeArrowheads="1"/>
+            <a:spLocks noGrp="1" noChangeArrowheads="1"/>
           </p:cNvSpPr>
           <p:nvPr>
             <p:ph type="body" idx="1"/>
@@ -2084,7 +2084,7 @@
         <p:nvSpPr>
           <p:cNvPr id="43011" name="Rectangle 1"/>
           <p:cNvSpPr>
-            <a:spLocks noChangeArrowheads="1" noTextEdit="1"/>
+            <a:spLocks noGrp="1" noRot="1" noChangeAspect="1" noChangeArrowheads="1" noTextEdit="1"/>
           </p:cNvSpPr>
           <p:nvPr>
             <p:ph type="sldImg"/>
@@ -2110,7 +2110,7 @@
         <p:nvSpPr>
           <p:cNvPr id="43012" name="Rectangle 2"/>
           <p:cNvSpPr>
-            <a:spLocks noChangeArrowheads="1"/>
+            <a:spLocks noGrp="1" noChangeArrowheads="1"/>
           </p:cNvSpPr>
           <p:nvPr>
             <p:ph type="body" idx="1"/>
@@ -2195,7 +2195,7 @@
         <p:nvSpPr>
           <p:cNvPr id="45059" name="Rectangle 1"/>
           <p:cNvSpPr>
-            <a:spLocks noChangeArrowheads="1" noTextEdit="1"/>
+            <a:spLocks noGrp="1" noRot="1" noChangeAspect="1" noChangeArrowheads="1" noTextEdit="1"/>
           </p:cNvSpPr>
           <p:nvPr>
             <p:ph type="sldImg"/>
@@ -2221,7 +2221,7 @@
         <p:nvSpPr>
           <p:cNvPr id="45060" name="Rectangle 2"/>
           <p:cNvSpPr>
-            <a:spLocks noChangeArrowheads="1"/>
+            <a:spLocks noGrp="1" noChangeArrowheads="1"/>
           </p:cNvSpPr>
           <p:nvPr>
             <p:ph type="body" idx="1"/>
@@ -2306,7 +2306,7 @@
         <p:nvSpPr>
           <p:cNvPr id="47107" name="Rectangle 1"/>
           <p:cNvSpPr>
-            <a:spLocks noChangeArrowheads="1" noTextEdit="1"/>
+            <a:spLocks noGrp="1" noRot="1" noChangeAspect="1" noChangeArrowheads="1" noTextEdit="1"/>
           </p:cNvSpPr>
           <p:nvPr>
             <p:ph type="sldImg"/>
@@ -2332,7 +2332,7 @@
         <p:nvSpPr>
           <p:cNvPr id="47108" name="Rectangle 2"/>
           <p:cNvSpPr>
-            <a:spLocks noChangeArrowheads="1"/>
+            <a:spLocks noGrp="1" noChangeArrowheads="1"/>
           </p:cNvSpPr>
           <p:nvPr>
             <p:ph type="body" idx="1"/>
@@ -2417,7 +2417,7 @@
         <p:nvSpPr>
           <p:cNvPr id="49155" name="Rectangle 1"/>
           <p:cNvSpPr>
-            <a:spLocks noChangeArrowheads="1" noTextEdit="1"/>
+            <a:spLocks noGrp="1" noRot="1" noChangeAspect="1" noChangeArrowheads="1" noTextEdit="1"/>
           </p:cNvSpPr>
           <p:nvPr>
             <p:ph type="sldImg"/>
@@ -2443,7 +2443,7 @@
         <p:nvSpPr>
           <p:cNvPr id="49156" name="Rectangle 2"/>
           <p:cNvSpPr>
-            <a:spLocks noChangeArrowheads="1"/>
+            <a:spLocks noGrp="1" noChangeArrowheads="1"/>
           </p:cNvSpPr>
           <p:nvPr>
             <p:ph type="body" idx="1"/>
@@ -2528,7 +2528,7 @@
         <p:nvSpPr>
           <p:cNvPr id="51203" name="Rectangle 1"/>
           <p:cNvSpPr>
-            <a:spLocks noChangeArrowheads="1" noTextEdit="1"/>
+            <a:spLocks noGrp="1" noRot="1" noChangeAspect="1" noChangeArrowheads="1" noTextEdit="1"/>
           </p:cNvSpPr>
           <p:nvPr>
             <p:ph type="sldImg"/>
@@ -2554,7 +2554,7 @@
         <p:nvSpPr>
           <p:cNvPr id="51204" name="Rectangle 2"/>
           <p:cNvSpPr>
-            <a:spLocks noChangeArrowheads="1"/>
+            <a:spLocks noGrp="1" noChangeArrowheads="1"/>
           </p:cNvSpPr>
           <p:nvPr>
             <p:ph type="body" idx="1"/>
@@ -2639,7 +2639,7 @@
         <p:nvSpPr>
           <p:cNvPr id="53251" name="Rectangle 1"/>
           <p:cNvSpPr>
-            <a:spLocks noChangeArrowheads="1" noTextEdit="1"/>
+            <a:spLocks noGrp="1" noRot="1" noChangeAspect="1" noChangeArrowheads="1" noTextEdit="1"/>
           </p:cNvSpPr>
           <p:nvPr>
             <p:ph type="sldImg"/>
@@ -2665,7 +2665,7 @@
         <p:nvSpPr>
           <p:cNvPr id="53252" name="Rectangle 2"/>
           <p:cNvSpPr>
-            <a:spLocks noChangeArrowheads="1"/>
+            <a:spLocks noGrp="1" noChangeArrowheads="1"/>
           </p:cNvSpPr>
           <p:nvPr>
             <p:ph type="body" idx="1"/>
@@ -2750,7 +2750,7 @@
         <p:nvSpPr>
           <p:cNvPr id="55299" name="Rectangle 1"/>
           <p:cNvSpPr>
-            <a:spLocks noChangeArrowheads="1" noTextEdit="1"/>
+            <a:spLocks noGrp="1" noRot="1" noChangeAspect="1" noChangeArrowheads="1" noTextEdit="1"/>
           </p:cNvSpPr>
           <p:nvPr>
             <p:ph type="sldImg"/>
@@ -2776,7 +2776,7 @@
         <p:nvSpPr>
           <p:cNvPr id="55300" name="Rectangle 2"/>
           <p:cNvSpPr>
-            <a:spLocks noChangeArrowheads="1"/>
+            <a:spLocks noGrp="1" noChangeArrowheads="1"/>
           </p:cNvSpPr>
           <p:nvPr>
             <p:ph type="body" idx="1"/>
@@ -2861,7 +2861,7 @@
         <p:nvSpPr>
           <p:cNvPr id="57347" name="Rectangle 1"/>
           <p:cNvSpPr>
-            <a:spLocks noChangeArrowheads="1" noTextEdit="1"/>
+            <a:spLocks noGrp="1" noRot="1" noChangeAspect="1" noChangeArrowheads="1" noTextEdit="1"/>
           </p:cNvSpPr>
           <p:nvPr>
             <p:ph type="sldImg"/>
@@ -2887,7 +2887,7 @@
         <p:nvSpPr>
           <p:cNvPr id="57348" name="Rectangle 2"/>
           <p:cNvSpPr>
-            <a:spLocks noChangeArrowheads="1"/>
+            <a:spLocks noGrp="1" noChangeArrowheads="1"/>
           </p:cNvSpPr>
           <p:nvPr>
             <p:ph type="body" idx="1"/>
@@ -2972,7 +2972,7 @@
         <p:nvSpPr>
           <p:cNvPr id="59395" name="Rectangle 1"/>
           <p:cNvSpPr>
-            <a:spLocks noChangeArrowheads="1" noTextEdit="1"/>
+            <a:spLocks noGrp="1" noRot="1" noChangeAspect="1" noChangeArrowheads="1" noTextEdit="1"/>
           </p:cNvSpPr>
           <p:nvPr>
             <p:ph type="sldImg"/>
@@ -2998,7 +2998,7 @@
         <p:nvSpPr>
           <p:cNvPr id="59396" name="Rectangle 2"/>
           <p:cNvSpPr>
-            <a:spLocks noChangeArrowheads="1"/>
+            <a:spLocks noGrp="1" noChangeArrowheads="1"/>
           </p:cNvSpPr>
           <p:nvPr>
             <p:ph type="body" idx="1"/>
@@ -3083,7 +3083,7 @@
         <p:nvSpPr>
           <p:cNvPr id="61443" name="Rectangle 1"/>
           <p:cNvSpPr>
-            <a:spLocks noChangeArrowheads="1" noTextEdit="1"/>
+            <a:spLocks noGrp="1" noRot="1" noChangeAspect="1" noChangeArrowheads="1" noTextEdit="1"/>
           </p:cNvSpPr>
           <p:nvPr>
             <p:ph type="sldImg"/>
@@ -3109,7 +3109,7 @@
         <p:nvSpPr>
           <p:cNvPr id="61444" name="Rectangle 2"/>
           <p:cNvSpPr>
-            <a:spLocks noChangeArrowheads="1"/>
+            <a:spLocks noGrp="1" noChangeArrowheads="1"/>
           </p:cNvSpPr>
           <p:nvPr>
             <p:ph type="body" idx="1"/>
@@ -3194,7 +3194,7 @@
         <p:nvSpPr>
           <p:cNvPr id="8195" name="Rectangle 1"/>
           <p:cNvSpPr>
-            <a:spLocks noChangeArrowheads="1" noTextEdit="1"/>
+            <a:spLocks noGrp="1" noRot="1" noChangeAspect="1" noChangeArrowheads="1" noTextEdit="1"/>
           </p:cNvSpPr>
           <p:nvPr>
             <p:ph type="sldImg"/>
@@ -3220,7 +3220,7 @@
         <p:nvSpPr>
           <p:cNvPr id="8196" name="Rectangle 2"/>
           <p:cNvSpPr>
-            <a:spLocks noChangeArrowheads="1"/>
+            <a:spLocks noGrp="1" noChangeArrowheads="1"/>
           </p:cNvSpPr>
           <p:nvPr>
             <p:ph type="body" idx="1"/>
@@ -3305,7 +3305,7 @@
         <p:nvSpPr>
           <p:cNvPr id="63491" name="Rectangle 1"/>
           <p:cNvSpPr>
-            <a:spLocks noChangeArrowheads="1" noTextEdit="1"/>
+            <a:spLocks noGrp="1" noRot="1" noChangeAspect="1" noChangeArrowheads="1" noTextEdit="1"/>
           </p:cNvSpPr>
           <p:nvPr>
             <p:ph type="sldImg"/>
@@ -3331,7 +3331,7 @@
         <p:nvSpPr>
           <p:cNvPr id="63492" name="Rectangle 2"/>
           <p:cNvSpPr>
-            <a:spLocks noChangeArrowheads="1"/>
+            <a:spLocks noGrp="1" noChangeArrowheads="1"/>
           </p:cNvSpPr>
           <p:nvPr>
             <p:ph type="body" idx="1"/>
@@ -3416,7 +3416,7 @@
         <p:nvSpPr>
           <p:cNvPr id="65539" name="Rectangle 1"/>
           <p:cNvSpPr>
-            <a:spLocks noChangeArrowheads="1" noTextEdit="1"/>
+            <a:spLocks noGrp="1" noRot="1" noChangeAspect="1" noChangeArrowheads="1" noTextEdit="1"/>
           </p:cNvSpPr>
           <p:nvPr>
             <p:ph type="sldImg"/>
@@ -3442,7 +3442,7 @@
         <p:nvSpPr>
           <p:cNvPr id="65540" name="Rectangle 2"/>
           <p:cNvSpPr>
-            <a:spLocks noChangeArrowheads="1"/>
+            <a:spLocks noGrp="1" noChangeArrowheads="1"/>
           </p:cNvSpPr>
           <p:nvPr>
             <p:ph type="body" idx="1"/>
@@ -3527,7 +3527,7 @@
         <p:nvSpPr>
           <p:cNvPr id="67587" name="Rectangle 1"/>
           <p:cNvSpPr>
-            <a:spLocks noChangeArrowheads="1" noTextEdit="1"/>
+            <a:spLocks noGrp="1" noRot="1" noChangeAspect="1" noChangeArrowheads="1" noTextEdit="1"/>
           </p:cNvSpPr>
           <p:nvPr>
             <p:ph type="sldImg"/>
@@ -3553,7 +3553,7 @@
         <p:nvSpPr>
           <p:cNvPr id="67588" name="Rectangle 2"/>
           <p:cNvSpPr>
-            <a:spLocks noChangeArrowheads="1"/>
+            <a:spLocks noGrp="1" noChangeArrowheads="1"/>
           </p:cNvSpPr>
           <p:nvPr>
             <p:ph type="body" idx="1"/>
@@ -3638,7 +3638,7 @@
         <p:nvSpPr>
           <p:cNvPr id="69635" name="Rectangle 1"/>
           <p:cNvSpPr>
-            <a:spLocks noChangeArrowheads="1" noTextEdit="1"/>
+            <a:spLocks noGrp="1" noRot="1" noChangeAspect="1" noChangeArrowheads="1" noTextEdit="1"/>
           </p:cNvSpPr>
           <p:nvPr>
             <p:ph type="sldImg"/>
@@ -3664,7 +3664,7 @@
         <p:nvSpPr>
           <p:cNvPr id="69636" name="Rectangle 2"/>
           <p:cNvSpPr>
-            <a:spLocks noChangeArrowheads="1"/>
+            <a:spLocks noGrp="1" noChangeArrowheads="1"/>
           </p:cNvSpPr>
           <p:nvPr>
             <p:ph type="body" idx="1"/>
@@ -3749,7 +3749,7 @@
         <p:nvSpPr>
           <p:cNvPr id="71683" name="Rectangle 1"/>
           <p:cNvSpPr>
-            <a:spLocks noChangeArrowheads="1" noTextEdit="1"/>
+            <a:spLocks noGrp="1" noRot="1" noChangeAspect="1" noChangeArrowheads="1" noTextEdit="1"/>
           </p:cNvSpPr>
           <p:nvPr>
             <p:ph type="sldImg"/>
@@ -3775,7 +3775,7 @@
         <p:nvSpPr>
           <p:cNvPr id="71684" name="Rectangle 2"/>
           <p:cNvSpPr>
-            <a:spLocks noChangeArrowheads="1"/>
+            <a:spLocks noGrp="1" noChangeArrowheads="1"/>
           </p:cNvSpPr>
           <p:nvPr>
             <p:ph type="body" idx="1"/>
@@ -3860,7 +3860,7 @@
         <p:nvSpPr>
           <p:cNvPr id="73731" name="Rectangle 1"/>
           <p:cNvSpPr>
-            <a:spLocks noChangeArrowheads="1" noTextEdit="1"/>
+            <a:spLocks noGrp="1" noRot="1" noChangeAspect="1" noChangeArrowheads="1" noTextEdit="1"/>
           </p:cNvSpPr>
           <p:nvPr>
             <p:ph type="sldImg"/>
@@ -3886,7 +3886,7 @@
         <p:nvSpPr>
           <p:cNvPr id="73732" name="Rectangle 2"/>
           <p:cNvSpPr>
-            <a:spLocks noChangeArrowheads="1"/>
+            <a:spLocks noGrp="1" noChangeArrowheads="1"/>
           </p:cNvSpPr>
           <p:nvPr>
             <p:ph type="body" idx="1"/>
@@ -3971,7 +3971,7 @@
         <p:nvSpPr>
           <p:cNvPr id="75779" name="Rectangle 1"/>
           <p:cNvSpPr>
-            <a:spLocks noChangeArrowheads="1" noTextEdit="1"/>
+            <a:spLocks noGrp="1" noRot="1" noChangeAspect="1" noChangeArrowheads="1" noTextEdit="1"/>
           </p:cNvSpPr>
           <p:nvPr>
             <p:ph type="sldImg"/>
@@ -3997,7 +3997,7 @@
         <p:nvSpPr>
           <p:cNvPr id="75780" name="Rectangle 2"/>
           <p:cNvSpPr>
-            <a:spLocks noChangeArrowheads="1"/>
+            <a:spLocks noGrp="1" noChangeArrowheads="1"/>
           </p:cNvSpPr>
           <p:nvPr>
             <p:ph type="body" idx="1"/>
@@ -4082,7 +4082,7 @@
         <p:nvSpPr>
           <p:cNvPr id="77827" name="Rectangle 1"/>
           <p:cNvSpPr>
-            <a:spLocks noChangeArrowheads="1" noTextEdit="1"/>
+            <a:spLocks noGrp="1" noRot="1" noChangeAspect="1" noChangeArrowheads="1" noTextEdit="1"/>
           </p:cNvSpPr>
           <p:nvPr>
             <p:ph type="sldImg"/>
@@ -4108,7 +4108,7 @@
         <p:nvSpPr>
           <p:cNvPr id="77828" name="Rectangle 2"/>
           <p:cNvSpPr>
-            <a:spLocks noChangeArrowheads="1"/>
+            <a:spLocks noGrp="1" noChangeArrowheads="1"/>
           </p:cNvSpPr>
           <p:nvPr>
             <p:ph type="body" idx="1"/>
@@ -4193,7 +4193,7 @@
         <p:nvSpPr>
           <p:cNvPr id="79875" name="Rectangle 1"/>
           <p:cNvSpPr>
-            <a:spLocks noChangeArrowheads="1" noTextEdit="1"/>
+            <a:spLocks noGrp="1" noRot="1" noChangeAspect="1" noChangeArrowheads="1" noTextEdit="1"/>
           </p:cNvSpPr>
           <p:nvPr>
             <p:ph type="sldImg"/>
@@ -4219,7 +4219,7 @@
         <p:nvSpPr>
           <p:cNvPr id="79876" name="Rectangle 2"/>
           <p:cNvSpPr>
-            <a:spLocks noChangeArrowheads="1"/>
+            <a:spLocks noGrp="1" noChangeArrowheads="1"/>
           </p:cNvSpPr>
           <p:nvPr>
             <p:ph type="body" idx="1"/>
@@ -4304,7 +4304,7 @@
         <p:nvSpPr>
           <p:cNvPr id="81923" name="Rectangle 1"/>
           <p:cNvSpPr>
-            <a:spLocks noChangeArrowheads="1" noTextEdit="1"/>
+            <a:spLocks noGrp="1" noRot="1" noChangeAspect="1" noChangeArrowheads="1" noTextEdit="1"/>
           </p:cNvSpPr>
           <p:nvPr>
             <p:ph type="sldImg"/>
@@ -4330,7 +4330,7 @@
         <p:nvSpPr>
           <p:cNvPr id="81924" name="Rectangle 2"/>
           <p:cNvSpPr>
-            <a:spLocks noChangeArrowheads="1"/>
+            <a:spLocks noGrp="1" noChangeArrowheads="1"/>
           </p:cNvSpPr>
           <p:nvPr>
             <p:ph type="body" idx="1"/>
@@ -4415,7 +4415,7 @@
         <p:nvSpPr>
           <p:cNvPr id="10243" name="Rectangle 1"/>
           <p:cNvSpPr>
-            <a:spLocks noChangeArrowheads="1" noTextEdit="1"/>
+            <a:spLocks noGrp="1" noRot="1" noChangeAspect="1" noChangeArrowheads="1" noTextEdit="1"/>
           </p:cNvSpPr>
           <p:nvPr>
             <p:ph type="sldImg"/>
@@ -4441,7 +4441,7 @@
         <p:nvSpPr>
           <p:cNvPr id="10244" name="Rectangle 2"/>
           <p:cNvSpPr>
-            <a:spLocks noChangeArrowheads="1"/>
+            <a:spLocks noGrp="1" noChangeArrowheads="1"/>
           </p:cNvSpPr>
           <p:nvPr>
             <p:ph type="body" idx="1"/>
@@ -4526,7 +4526,7 @@
         <p:nvSpPr>
           <p:cNvPr id="83971" name="Rectangle 1"/>
           <p:cNvSpPr>
-            <a:spLocks noChangeArrowheads="1" noTextEdit="1"/>
+            <a:spLocks noGrp="1" noRot="1" noChangeAspect="1" noChangeArrowheads="1" noTextEdit="1"/>
           </p:cNvSpPr>
           <p:nvPr>
             <p:ph type="sldImg"/>
@@ -4552,7 +4552,7 @@
         <p:nvSpPr>
           <p:cNvPr id="83972" name="Rectangle 2"/>
           <p:cNvSpPr>
-            <a:spLocks noChangeArrowheads="1"/>
+            <a:spLocks noGrp="1" noChangeArrowheads="1"/>
           </p:cNvSpPr>
           <p:nvPr>
             <p:ph type="body" idx="1"/>
@@ -4637,7 +4637,7 @@
         <p:nvSpPr>
           <p:cNvPr id="86019" name="Rectangle 1"/>
           <p:cNvSpPr>
-            <a:spLocks noChangeArrowheads="1" noTextEdit="1"/>
+            <a:spLocks noGrp="1" noRot="1" noChangeAspect="1" noChangeArrowheads="1" noTextEdit="1"/>
           </p:cNvSpPr>
           <p:nvPr>
             <p:ph type="sldImg"/>
@@ -4663,7 +4663,7 @@
         <p:nvSpPr>
           <p:cNvPr id="86020" name="Rectangle 2"/>
           <p:cNvSpPr>
-            <a:spLocks noChangeArrowheads="1"/>
+            <a:spLocks noGrp="1" noChangeArrowheads="1"/>
           </p:cNvSpPr>
           <p:nvPr>
             <p:ph type="body" idx="1"/>
@@ -4748,7 +4748,7 @@
         <p:nvSpPr>
           <p:cNvPr id="88067" name="Rectangle 1"/>
           <p:cNvSpPr>
-            <a:spLocks noChangeArrowheads="1" noTextEdit="1"/>
+            <a:spLocks noGrp="1" noRot="1" noChangeAspect="1" noChangeArrowheads="1" noTextEdit="1"/>
           </p:cNvSpPr>
           <p:nvPr>
             <p:ph type="sldImg"/>
@@ -4774,7 +4774,7 @@
         <p:nvSpPr>
           <p:cNvPr id="88068" name="Rectangle 2"/>
           <p:cNvSpPr>
-            <a:spLocks noChangeArrowheads="1"/>
+            <a:spLocks noGrp="1" noChangeArrowheads="1"/>
           </p:cNvSpPr>
           <p:nvPr>
             <p:ph type="body" idx="1"/>
@@ -4859,7 +4859,7 @@
         <p:nvSpPr>
           <p:cNvPr id="90115" name="Rectangle 1"/>
           <p:cNvSpPr>
-            <a:spLocks noChangeArrowheads="1" noTextEdit="1"/>
+            <a:spLocks noGrp="1" noRot="1" noChangeAspect="1" noChangeArrowheads="1" noTextEdit="1"/>
           </p:cNvSpPr>
           <p:nvPr>
             <p:ph type="sldImg"/>
@@ -4885,7 +4885,7 @@
         <p:nvSpPr>
           <p:cNvPr id="90116" name="Rectangle 2"/>
           <p:cNvSpPr>
-            <a:spLocks noChangeArrowheads="1"/>
+            <a:spLocks noGrp="1" noChangeArrowheads="1"/>
           </p:cNvSpPr>
           <p:nvPr>
             <p:ph type="body" idx="1"/>
@@ -4970,7 +4970,7 @@
         <p:nvSpPr>
           <p:cNvPr id="92163" name="Rectangle 1"/>
           <p:cNvSpPr>
-            <a:spLocks noChangeArrowheads="1" noTextEdit="1"/>
+            <a:spLocks noGrp="1" noRot="1" noChangeAspect="1" noChangeArrowheads="1" noTextEdit="1"/>
           </p:cNvSpPr>
           <p:nvPr>
             <p:ph type="sldImg"/>
@@ -4996,7 +4996,7 @@
         <p:nvSpPr>
           <p:cNvPr id="92164" name="Rectangle 2"/>
           <p:cNvSpPr>
-            <a:spLocks noChangeArrowheads="1"/>
+            <a:spLocks noGrp="1" noChangeArrowheads="1"/>
           </p:cNvSpPr>
           <p:nvPr>
             <p:ph type="body" idx="1"/>
@@ -5081,7 +5081,7 @@
         <p:nvSpPr>
           <p:cNvPr id="12291" name="Rectangle 1"/>
           <p:cNvSpPr>
-            <a:spLocks noChangeArrowheads="1" noTextEdit="1"/>
+            <a:spLocks noGrp="1" noRot="1" noChangeAspect="1" noChangeArrowheads="1" noTextEdit="1"/>
           </p:cNvSpPr>
           <p:nvPr>
             <p:ph type="sldImg"/>
@@ -5107,7 +5107,7 @@
         <p:nvSpPr>
           <p:cNvPr id="12292" name="Rectangle 2"/>
           <p:cNvSpPr>
-            <a:spLocks noChangeArrowheads="1"/>
+            <a:spLocks noGrp="1" noChangeArrowheads="1"/>
           </p:cNvSpPr>
           <p:nvPr>
             <p:ph type="body" idx="1"/>
@@ -5192,7 +5192,7 @@
         <p:nvSpPr>
           <p:cNvPr id="14339" name="Rectangle 1"/>
           <p:cNvSpPr>
-            <a:spLocks noChangeArrowheads="1" noTextEdit="1"/>
+            <a:spLocks noGrp="1" noRot="1" noChangeAspect="1" noChangeArrowheads="1" noTextEdit="1"/>
           </p:cNvSpPr>
           <p:nvPr>
             <p:ph type="sldImg"/>
@@ -5218,7 +5218,7 @@
         <p:nvSpPr>
           <p:cNvPr id="14340" name="Rectangle 2"/>
           <p:cNvSpPr>
-            <a:spLocks noChangeArrowheads="1"/>
+            <a:spLocks noGrp="1" noChangeArrowheads="1"/>
           </p:cNvSpPr>
           <p:nvPr>
             <p:ph type="body" idx="1"/>
@@ -5303,7 +5303,7 @@
         <p:nvSpPr>
           <p:cNvPr id="16387" name="Rectangle 1"/>
           <p:cNvSpPr>
-            <a:spLocks noChangeArrowheads="1" noTextEdit="1"/>
+            <a:spLocks noGrp="1" noRot="1" noChangeAspect="1" noChangeArrowheads="1" noTextEdit="1"/>
           </p:cNvSpPr>
           <p:nvPr>
             <p:ph type="sldImg"/>
@@ -5329,7 +5329,7 @@
         <p:nvSpPr>
           <p:cNvPr id="16388" name="Rectangle 2"/>
           <p:cNvSpPr>
-            <a:spLocks noChangeArrowheads="1"/>
+            <a:spLocks noGrp="1" noChangeArrowheads="1"/>
           </p:cNvSpPr>
           <p:nvPr>
             <p:ph type="body" idx="1"/>
@@ -5414,7 +5414,7 @@
         <p:nvSpPr>
           <p:cNvPr id="18435" name="Rectangle 1"/>
           <p:cNvSpPr>
-            <a:spLocks noChangeArrowheads="1" noTextEdit="1"/>
+            <a:spLocks noGrp="1" noRot="1" noChangeAspect="1" noChangeArrowheads="1" noTextEdit="1"/>
           </p:cNvSpPr>
           <p:nvPr>
             <p:ph type="sldImg"/>
@@ -5440,7 +5440,7 @@
         <p:nvSpPr>
           <p:cNvPr id="18436" name="Rectangle 2"/>
           <p:cNvSpPr>
-            <a:spLocks noChangeArrowheads="1"/>
+            <a:spLocks noGrp="1" noChangeArrowheads="1"/>
           </p:cNvSpPr>
           <p:nvPr>
             <p:ph type="body" idx="1"/>
@@ -5525,7 +5525,7 @@
         <p:nvSpPr>
           <p:cNvPr id="20483" name="Rectangle 1"/>
           <p:cNvSpPr>
-            <a:spLocks noChangeArrowheads="1" noTextEdit="1"/>
+            <a:spLocks noGrp="1" noRot="1" noChangeAspect="1" noChangeArrowheads="1" noTextEdit="1"/>
           </p:cNvSpPr>
           <p:nvPr>
             <p:ph type="sldImg"/>
@@ -5551,7 +5551,7 @@
         <p:nvSpPr>
           <p:cNvPr id="20484" name="Rectangle 2"/>
           <p:cNvSpPr>
-            <a:spLocks noChangeArrowheads="1"/>
+            <a:spLocks noGrp="1" noChangeArrowheads="1"/>
           </p:cNvSpPr>
           <p:nvPr>
             <p:ph type="body" idx="1"/>
@@ -9431,7 +9431,7 @@
   <p:timing>
     <p:tnLst>
       <p:par>
-        <p:cTn id="1" dur="indefinite" nodeType="tmRoot">
+        <p:cTn id="1" dur="indefinite" restart="never" nodeType="tmRoot">
           <p:childTnLst>
             <p:seq concurrent="1" nextAc="seek">
               <p:cTn id="2" dur="0" nodeType="mainSeq"/>
@@ -10018,7 +10018,7 @@
   <p:timing>
     <p:tnLst>
       <p:par>
-        <p:cTn id="1" dur="indefinite" nodeType="tmRoot">
+        <p:cTn id="1" dur="indefinite" restart="never" nodeType="tmRoot">
           <p:childTnLst>
             <p:seq concurrent="1" nextAc="seek">
               <p:cTn id="2" dur="0" nodeType="mainSeq"/>
@@ -10413,7 +10413,7 @@
   <p:timing>
     <p:tnLst>
       <p:par>
-        <p:cTn id="1" dur="indefinite" nodeType="tmRoot">
+        <p:cTn id="1" dur="indefinite" restart="never" nodeType="tmRoot">
           <p:childTnLst>
             <p:seq concurrent="1" nextAc="seek">
               <p:cTn id="2" dur="0" nodeType="mainSeq"/>
@@ -10810,7 +10810,7 @@
   <p:timing>
     <p:tnLst>
       <p:par>
-        <p:cTn id="1" dur="indefinite" nodeType="tmRoot">
+        <p:cTn id="1" dur="indefinite" restart="never" nodeType="tmRoot">
           <p:childTnLst>
             <p:seq concurrent="1" nextAc="seek">
               <p:cTn id="2" dur="0" nodeType="mainSeq"/>
@@ -11205,7 +11205,7 @@
   <p:timing>
     <p:tnLst>
       <p:par>
-        <p:cTn id="1" dur="indefinite" nodeType="tmRoot">
+        <p:cTn id="1" dur="indefinite" restart="never" nodeType="tmRoot">
           <p:childTnLst>
             <p:seq concurrent="1" nextAc="seek">
               <p:cTn id="2" dur="0" nodeType="mainSeq"/>
@@ -11671,7 +11671,7 @@
   <p:timing>
     <p:tnLst>
       <p:par>
-        <p:cTn id="1" dur="indefinite" nodeType="tmRoot">
+        <p:cTn id="1" dur="indefinite" restart="never" nodeType="tmRoot">
           <p:childTnLst>
             <p:seq concurrent="1" nextAc="seek">
               <p:cTn id="2" dur="0" nodeType="mainSeq"/>
@@ -12045,7 +12045,7 @@
   <p:timing>
     <p:tnLst>
       <p:par>
-        <p:cTn id="1" dur="indefinite" nodeType="tmRoot">
+        <p:cTn id="1" dur="indefinite" restart="never" nodeType="tmRoot">
           <p:childTnLst>
             <p:seq concurrent="1" nextAc="seek">
               <p:cTn id="2" dur="0" nodeType="mainSeq"/>
@@ -12553,7 +12553,7 @@
   <p:timing>
     <p:tnLst>
       <p:par>
-        <p:cTn id="1" dur="indefinite" nodeType="tmRoot">
+        <p:cTn id="1" dur="indefinite" restart="never" nodeType="tmRoot">
           <p:childTnLst>
             <p:seq concurrent="1" nextAc="seek">
               <p:cTn id="2" dur="0" nodeType="mainSeq"/>
@@ -13027,7 +13027,7 @@
   <p:timing>
     <p:tnLst>
       <p:par>
-        <p:cTn id="1" dur="indefinite" nodeType="tmRoot">
+        <p:cTn id="1" dur="indefinite" restart="never" nodeType="tmRoot">
           <p:childTnLst>
             <p:seq concurrent="1" nextAc="seek">
               <p:cTn id="2" dur="0" nodeType="mainSeq"/>
@@ -13398,7 +13398,7 @@
   <p:timing>
     <p:tnLst>
       <p:par>
-        <p:cTn id="1" dur="indefinite" nodeType="tmRoot">
+        <p:cTn id="1" dur="indefinite" restart="never" nodeType="tmRoot">
           <p:childTnLst>
             <p:seq concurrent="1" nextAc="seek">
               <p:cTn id="2" dur="0" nodeType="mainSeq"/>
@@ -13947,7 +13947,7 @@
   <p:timing>
     <p:tnLst>
       <p:par>
-        <p:cTn id="1" dur="indefinite" nodeType="tmRoot">
+        <p:cTn id="1" dur="indefinite" restart="never" nodeType="tmRoot">
           <p:childTnLst>
             <p:seq concurrent="1" nextAc="seek">
               <p:cTn id="2" dur="0" nodeType="mainSeq"/>
@@ -15118,7 +15118,7 @@
   <p:timing>
     <p:tnLst>
       <p:par>
-        <p:cTn id="1" dur="indefinite" nodeType="tmRoot">
+        <p:cTn id="1" dur="indefinite" restart="never" nodeType="tmRoot">
           <p:childTnLst>
             <p:seq concurrent="1" nextAc="seek">
               <p:cTn id="2" dur="indefinite" nodeType="mainSeq">
@@ -16044,7 +16044,7 @@
   <p:timing>
     <p:tnLst>
       <p:par>
-        <p:cTn id="1" dur="indefinite" nodeType="tmRoot">
+        <p:cTn id="1" dur="indefinite" restart="never" nodeType="tmRoot">
           <p:childTnLst>
             <p:seq concurrent="1" nextAc="seek">
               <p:cTn id="2" dur="0" nodeType="mainSeq"/>
@@ -16674,7 +16674,7 @@
   <p:timing>
     <p:tnLst>
       <p:par>
-        <p:cTn id="1" dur="indefinite" nodeType="tmRoot">
+        <p:cTn id="1" dur="indefinite" restart="never" nodeType="tmRoot">
           <p:childTnLst>
             <p:seq concurrent="1" nextAc="seek">
               <p:cTn id="2" dur="0" nodeType="mainSeq"/>
@@ -17013,7 +17013,7 @@
   <p:timing>
     <p:tnLst>
       <p:par>
-        <p:cTn id="1" dur="indefinite" nodeType="tmRoot">
+        <p:cTn id="1" dur="indefinite" restart="never" nodeType="tmRoot">
           <p:childTnLst>
             <p:seq concurrent="1" nextAc="seek">
               <p:cTn id="2" dur="0" nodeType="mainSeq"/>
@@ -17505,7 +17505,7 @@
   <p:timing>
     <p:tnLst>
       <p:par>
-        <p:cTn id="1" dur="indefinite" nodeType="tmRoot">
+        <p:cTn id="1" dur="indefinite" restart="never" nodeType="tmRoot">
           <p:childTnLst>
             <p:seq concurrent="1" nextAc="seek">
               <p:cTn id="2" dur="0" nodeType="mainSeq"/>
@@ -18074,7 +18074,7 @@
   <p:timing>
     <p:tnLst>
       <p:par>
-        <p:cTn id="1" dur="indefinite" nodeType="tmRoot">
+        <p:cTn id="1" dur="indefinite" restart="never" nodeType="tmRoot">
           <p:childTnLst>
             <p:seq concurrent="1" nextAc="seek">
               <p:cTn id="2" dur="0" nodeType="mainSeq"/>
@@ -18687,7 +18687,7 @@
   <p:timing>
     <p:tnLst>
       <p:par>
-        <p:cTn id="1" dur="indefinite" nodeType="tmRoot">
+        <p:cTn id="1" dur="indefinite" restart="never" nodeType="tmRoot">
           <p:childTnLst>
             <p:seq concurrent="1" nextAc="seek">
               <p:cTn id="2" dur="0" nodeType="mainSeq"/>
@@ -19256,7 +19256,7 @@
   <p:timing>
     <p:tnLst>
       <p:par>
-        <p:cTn id="1" dur="indefinite" nodeType="tmRoot">
+        <p:cTn id="1" dur="indefinite" restart="never" nodeType="tmRoot">
           <p:childTnLst>
             <p:seq concurrent="1" nextAc="seek">
               <p:cTn id="2" dur="0" nodeType="mainSeq"/>
@@ -19868,7 +19868,7 @@
   <p:timing>
     <p:tnLst>
       <p:par>
-        <p:cTn id="1" dur="indefinite" nodeType="tmRoot">
+        <p:cTn id="1" dur="indefinite" restart="never" nodeType="tmRoot">
           <p:childTnLst>
             <p:seq concurrent="1" nextAc="seek">
               <p:cTn id="2" dur="0" nodeType="mainSeq"/>
@@ -20358,7 +20358,7 @@
   <p:timing>
     <p:tnLst>
       <p:par>
-        <p:cTn id="1" dur="indefinite" nodeType="tmRoot">
+        <p:cTn id="1" dur="indefinite" restart="never" nodeType="tmRoot">
           <p:childTnLst>
             <p:seq concurrent="1" nextAc="seek">
               <p:cTn id="2" dur="0" nodeType="mainSeq"/>
@@ -20670,7 +20670,7 @@
   <p:timing>
     <p:tnLst>
       <p:par>
-        <p:cTn id="1" dur="indefinite" nodeType="tmRoot">
+        <p:cTn id="1" dur="indefinite" restart="never" nodeType="tmRoot">
           <p:childTnLst>
             <p:seq concurrent="1" nextAc="seek">
               <p:cTn id="2" dur="0" nodeType="mainSeq"/>
@@ -21313,14 +21313,14 @@
               </a:ln>
               <a:extLst>
                 <a:ext uri="{909E8E84-426E-40DD-AFC4-6F175D3DCCD1}">
-                  <a14:hiddenFill xmlns:a14="http://schemas.microsoft.com/office/drawing/2010/main" xmlns="">
+                  <a14:hiddenFill xmlns="" xmlns:a14="http://schemas.microsoft.com/office/drawing/2010/main">
                     <a:solidFill>
                       <a:srgbClr val="FFFFFF"/>
                     </a:solidFill>
                   </a14:hiddenFill>
                 </a:ext>
                 <a:ext uri="{91240B29-F687-4F45-9708-019B960494DF}">
-                  <a14:hiddenLine xmlns:a14="http://schemas.microsoft.com/office/drawing/2010/main" xmlns="" w="9525">
+                  <a14:hiddenLine xmlns="" xmlns:a14="http://schemas.microsoft.com/office/drawing/2010/main" w="9525">
                     <a:solidFill>
                       <a:srgbClr val="000000"/>
                     </a:solidFill>
@@ -21923,7 +21923,7 @@
   <p:timing>
     <p:tnLst>
       <p:par>
-        <p:cTn id="1" dur="indefinite" nodeType="tmRoot">
+        <p:cTn id="1" dur="indefinite" restart="never" nodeType="tmRoot">
           <p:childTnLst>
             <p:seq concurrent="1" nextAc="seek">
               <p:cTn id="2" dur="indefinite" nodeType="mainSeq">
@@ -22604,7 +22604,7 @@
   <p:timing>
     <p:tnLst>
       <p:par>
-        <p:cTn id="1" dur="indefinite" nodeType="tmRoot">
+        <p:cTn id="1" dur="indefinite" restart="never" nodeType="tmRoot">
           <p:childTnLst>
             <p:seq concurrent="1" nextAc="seek">
               <p:cTn id="2" dur="0" nodeType="mainSeq"/>
@@ -23172,7 +23172,7 @@
   <p:timing>
     <p:tnLst>
       <p:par>
-        <p:cTn id="1" dur="indefinite" nodeType="tmRoot">
+        <p:cTn id="1" dur="indefinite" restart="never" nodeType="tmRoot">
           <p:childTnLst>
             <p:seq concurrent="1" nextAc="seek">
               <p:cTn id="2" dur="0" nodeType="mainSeq"/>
@@ -23577,7 +23577,7 @@
   <p:timing>
     <p:tnLst>
       <p:par>
-        <p:cTn id="1" dur="indefinite" nodeType="tmRoot">
+        <p:cTn id="1" dur="indefinite" restart="never" nodeType="tmRoot">
           <p:childTnLst>
             <p:seq concurrent="1" nextAc="seek">
               <p:cTn id="2" dur="0" nodeType="mainSeq"/>
@@ -24226,7 +24226,7 @@
   <p:timing>
     <p:tnLst>
       <p:par>
-        <p:cTn id="1" dur="indefinite" nodeType="tmRoot">
+        <p:cTn id="1" dur="indefinite" restart="never" nodeType="tmRoot">
           <p:childTnLst>
             <p:seq concurrent="1" nextAc="seek">
               <p:cTn id="2" dur="0" nodeType="mainSeq"/>
@@ -24593,7 +24593,7 @@
   <p:timing>
     <p:tnLst>
       <p:par>
-        <p:cTn id="1" dur="indefinite" nodeType="tmRoot">
+        <p:cTn id="1" dur="indefinite" restart="never" nodeType="tmRoot">
           <p:childTnLst>
             <p:seq concurrent="1" nextAc="seek">
               <p:cTn id="2" dur="0" nodeType="mainSeq"/>
@@ -25314,7 +25314,7 @@
   <p:timing>
     <p:tnLst>
       <p:par>
-        <p:cTn id="1" dur="indefinite" nodeType="tmRoot">
+        <p:cTn id="1" dur="indefinite" restart="never" nodeType="tmRoot">
           <p:childTnLst>
             <p:seq concurrent="1" nextAc="seek">
               <p:cTn id="2" dur="0" nodeType="mainSeq"/>
@@ -25648,7 +25648,7 @@
   <p:timing>
     <p:tnLst>
       <p:par>
-        <p:cTn id="1" dur="indefinite" nodeType="tmRoot">
+        <p:cTn id="1" dur="indefinite" restart="never" nodeType="tmRoot">
           <p:childTnLst>
             <p:seq concurrent="1" nextAc="seek">
               <p:cTn id="2" dur="0" nodeType="mainSeq"/>
@@ -26091,7 +26091,7 @@
   <p:timing>
     <p:tnLst>
       <p:par>
-        <p:cTn id="1" dur="indefinite" nodeType="tmRoot">
+        <p:cTn id="1" dur="indefinite" restart="never" nodeType="tmRoot">
           <p:childTnLst>
             <p:seq concurrent="1" nextAc="seek">
               <p:cTn id="2" dur="0" nodeType="mainSeq"/>
@@ -26514,7 +26514,7 @@
   <p:timing>
     <p:tnLst>
       <p:par>
-        <p:cTn id="1" dur="indefinite" nodeType="tmRoot">
+        <p:cTn id="1" dur="indefinite" restart="never" nodeType="tmRoot">
           <p:childTnLst>
             <p:seq concurrent="1" nextAc="seek">
               <p:cTn id="2" dur="0" nodeType="mainSeq"/>
@@ -26926,7 +26926,7 @@
   <p:timing>
     <p:tnLst>
       <p:par>
-        <p:cTn id="1" dur="indefinite" nodeType="tmRoot">
+        <p:cTn id="1" dur="indefinite" restart="never" nodeType="tmRoot">
           <p:childTnLst>
             <p:seq concurrent="1" nextAc="seek">
               <p:cTn id="2" dur="0" nodeType="mainSeq"/>
@@ -27529,7 +27529,7 @@
   <p:timing>
     <p:tnLst>
       <p:par>
-        <p:cTn id="1" dur="indefinite" nodeType="tmRoot">
+        <p:cTn id="1" dur="indefinite" restart="never" nodeType="tmRoot">
           <p:childTnLst>
             <p:seq concurrent="1" nextAc="seek">
               <p:cTn id="2" dur="0" nodeType="mainSeq"/>
@@ -28077,7 +28077,7 @@
   <p:timing>
     <p:tnLst>
       <p:par>
-        <p:cTn id="1" dur="indefinite" nodeType="tmRoot">
+        <p:cTn id="1" dur="indefinite" restart="never" nodeType="tmRoot">
           <p:childTnLst>
             <p:seq concurrent="1" nextAc="seek">
               <p:cTn id="2" dur="0" nodeType="mainSeq"/>
@@ -28492,7 +28492,7 @@
   <p:timing>
     <p:tnLst>
       <p:par>
-        <p:cTn id="1" dur="indefinite" nodeType="tmRoot">
+        <p:cTn id="1" dur="indefinite" restart="never" nodeType="tmRoot">
           <p:childTnLst>
             <p:seq concurrent="1" nextAc="seek">
               <p:cTn id="2" dur="0" nodeType="mainSeq"/>
@@ -28903,7 +28903,7 @@
   <p:timing>
     <p:tnLst>
       <p:par>
-        <p:cTn id="1" dur="indefinite" nodeType="tmRoot">
+        <p:cTn id="1" dur="indefinite" restart="never" nodeType="tmRoot">
           <p:childTnLst>
             <p:seq concurrent="1" nextAc="seek">
               <p:cTn id="2" dur="0" nodeType="mainSeq"/>
@@ -29319,7 +29319,7 @@
   <p:timing>
     <p:tnLst>
       <p:par>
-        <p:cTn id="1" dur="indefinite" nodeType="tmRoot">
+        <p:cTn id="1" dur="indefinite" restart="never" nodeType="tmRoot">
           <p:childTnLst>
             <p:seq concurrent="1" nextAc="seek">
               <p:cTn id="2" dur="0" nodeType="mainSeq"/>
@@ -29697,7 +29697,7 @@
   <p:timing>
     <p:tnLst>
       <p:par>
-        <p:cTn id="1" dur="indefinite" nodeType="tmRoot">
+        <p:cTn id="1" dur="indefinite" restart="never" nodeType="tmRoot">
           <p:childTnLst>
             <p:seq concurrent="1" nextAc="seek">
               <p:cTn id="2" dur="0" nodeType="mainSeq"/>
@@ -30240,7 +30240,7 @@
   <p:timing>
     <p:tnLst>
       <p:par>
-        <p:cTn id="1" dur="indefinite" nodeType="tmRoot">
+        <p:cTn id="1" dur="indefinite" restart="never" nodeType="tmRoot">
           <p:childTnLst>
             <p:seq concurrent="1" nextAc="seek">
               <p:cTn id="2" dur="0" nodeType="mainSeq"/>
@@ -30617,7 +30617,7 @@
   <p:timing>
     <p:tnLst>
       <p:par>
-        <p:cTn id="1" dur="indefinite" nodeType="tmRoot">
+        <p:cTn id="1" dur="indefinite" restart="never" nodeType="tmRoot">
           <p:childTnLst>
             <p:seq concurrent="1" nextAc="seek">
               <p:cTn id="2" dur="0" nodeType="mainSeq"/>
@@ -30927,7 +30927,7 @@
   <p:timing>
     <p:tnLst>
       <p:par>
-        <p:cTn id="1" dur="indefinite" nodeType="tmRoot">
+        <p:cTn id="1" dur="indefinite" restart="never" nodeType="tmRoot">
           <p:childTnLst>
             <p:seq concurrent="1" nextAc="seek">
               <p:cTn id="2" dur="0" nodeType="mainSeq"/>
@@ -31430,7 +31430,7 @@
   <p:timing>
     <p:tnLst>
       <p:par>
-        <p:cTn id="1" dur="indefinite" nodeType="tmRoot">
+        <p:cTn id="1" dur="indefinite" restart="never" nodeType="tmRoot">
           <p:childTnLst>
             <p:seq concurrent="1" nextAc="seek">
               <p:cTn id="2" dur="0" nodeType="mainSeq"/>
@@ -32012,7 +32012,7 @@
   <p:timing>
     <p:tnLst>
       <p:par>
-        <p:cTn id="1" dur="indefinite" nodeType="tmRoot">
+        <p:cTn id="1" dur="indefinite" restart="never" nodeType="tmRoot">
           <p:childTnLst>
             <p:seq concurrent="1" nextAc="seek">
               <p:cTn id="2" dur="0" nodeType="mainSeq"/>
@@ -32042,7 +32042,7 @@
 <file path=ppt/theme/theme1.xml><?xml version="1.0" encoding="utf-8"?>
 <a:theme xmlns:a="http://schemas.openxmlformats.org/drawingml/2006/main" name="Larissa-Design">
   <a:themeElements>
-    <a:clrScheme name="Larissa-Design 1">
+    <a:clrScheme name="Benutzerdefiniert 8">
       <a:dk1>
         <a:srgbClr val="000000"/>
       </a:dk1>
@@ -32074,10 +32074,10 @@
         <a:srgbClr val="2D2DB9"/>
       </a:accent6>
       <a:hlink>
-        <a:srgbClr val="CCCCFF"/>
+        <a:srgbClr val="2D2DB9"/>
       </a:hlink>
       <a:folHlink>
-        <a:srgbClr val="B2B2B2"/>
+        <a:srgbClr val="2D2DB9"/>
       </a:folHlink>
     </a:clrScheme>
     <a:fontScheme name="Larissa-Design">
